--- a/presentation.pptx
+++ b/presentation.pptx
@@ -6,10 +6,10 @@
     <p:sldMasterId id="2147484642" r:id="rId5"/>
   </p:sldMasterIdLst>
   <p:notesMasterIdLst>
-    <p:notesMasterId r:id="rId19"/>
+    <p:notesMasterId r:id="rId20"/>
   </p:notesMasterIdLst>
   <p:handoutMasterIdLst>
-    <p:handoutMasterId r:id="rId20"/>
+    <p:handoutMasterId r:id="rId21"/>
   </p:handoutMasterIdLst>
   <p:sldIdLst>
     <p:sldId id="1859" r:id="rId6"/>
@@ -23,8 +23,9 @@
     <p:sldId id="1873" r:id="rId14"/>
     <p:sldId id="1527" r:id="rId15"/>
     <p:sldId id="1670" r:id="rId16"/>
-    <p:sldId id="1875" r:id="rId17"/>
-    <p:sldId id="1876" r:id="rId18"/>
+    <p:sldId id="1877" r:id="rId17"/>
+    <p:sldId id="1875" r:id="rId18"/>
+    <p:sldId id="1876" r:id="rId19"/>
   </p:sldIdLst>
   <p:sldSz cx="12192000" cy="6858000"/>
   <p:notesSz cx="6858000" cy="9144000"/>
@@ -139,6 +140,7 @@
             <p14:sldId id="1873"/>
             <p14:sldId id="1527"/>
             <p14:sldId id="1670"/>
+            <p14:sldId id="1877"/>
             <p14:sldId id="1875"/>
             <p14:sldId id="1876"/>
           </p14:sldIdLst>
@@ -273,7 +275,7 @@
               <a:rPr lang="en-US" smtClean="0">
                 <a:latin typeface="Segoe UI" pitchFamily="34" charset="0"/>
               </a:rPr>
-              <a:t>5/28/2022 10:38 PM</a:t>
+              <a:t>5/29/2022 5:46 PM</a:t>
             </a:fld>
             <a:endParaRPr lang="en-US" dirty="0">
               <a:latin typeface="Segoe UI" pitchFamily="34" charset="0"/>
@@ -551,7 +553,7 @@
           <a:p>
             <a:fld id="{386CE63F-9E7F-4C04-9D0D-FCA25A8E9E86}" type="datetime8">
               <a:rPr lang="en-US" smtClean="0"/>
-              <a:t>5/28/2022 10:37 PM</a:t>
+              <a:t>5/29/2022 4:53 PM</a:t>
             </a:fld>
             <a:endParaRPr lang="en-US" dirty="0"/>
           </a:p>
@@ -918,7 +920,7 @@
           <a:p>
             <a:fld id="{62072DC8-D49D-432C-9D46-A7718B5F5490}" type="datetime8">
               <a:rPr lang="en-US" smtClean="0"/>
-              <a:t>5/28/2022 10:37 PM</a:t>
+              <a:t>5/29/2022 4:53 PM</a:t>
             </a:fld>
             <a:endParaRPr lang="en-US" dirty="0"/>
           </a:p>
@@ -1083,7 +1085,7 @@
           <a:p>
             <a:fld id="{9427A7F7-BB1E-479D-AFAA-B52F4D0C99F2}" type="datetime8">
               <a:rPr lang="en-US" smtClean="0"/>
-              <a:t>5/29/2022 12:28 AM</a:t>
+              <a:t>5/29/2022 4:53 PM</a:t>
             </a:fld>
             <a:endParaRPr lang="en-US" dirty="0"/>
           </a:p>
@@ -1246,9 +1248,9 @@
           <a:bodyPr/>
           <a:lstStyle/>
           <a:p>
-            <a:fld id="{62072DC8-D49D-432C-9D46-A7718B5F5490}" type="datetime8">
+            <a:fld id="{9427A7F7-BB1E-479D-AFAA-B52F4D0C99F2}" type="datetime8">
               <a:rPr lang="en-US" smtClean="0"/>
-              <a:t>5/28/2022 11:57 PM</a:t>
+              <a:t>5/29/2022 5:54 PM</a:t>
             </a:fld>
             <a:endParaRPr lang="en-US" dirty="0"/>
           </a:p>
@@ -1281,7 +1283,7 @@
     </p:spTree>
     <p:extLst>
       <p:ext uri="{BB962C8B-B14F-4D97-AF65-F5344CB8AC3E}">
-        <p14:creationId xmlns:p14="http://schemas.microsoft.com/office/powerpoint/2010/main" val="2924178161"/>
+        <p14:creationId xmlns:p14="http://schemas.microsoft.com/office/powerpoint/2010/main" val="1686288676"/>
       </p:ext>
     </p:extLst>
   </p:cSld>
@@ -1413,7 +1415,7 @@
           <a:p>
             <a:fld id="{62072DC8-D49D-432C-9D46-A7718B5F5490}" type="datetime8">
               <a:rPr lang="en-US" smtClean="0"/>
-              <a:t>5/29/2022 12:01 AM</a:t>
+              <a:t>5/29/2022 4:53 PM</a:t>
             </a:fld>
             <a:endParaRPr lang="en-US" dirty="0"/>
           </a:p>
@@ -1438,6 +1440,171 @@
               <a:rPr lang="en-US" smtClean="0"/>
               <a:pPr/>
               <a:t>13</a:t>
+            </a:fld>
+            <a:endParaRPr lang="en-US" dirty="0"/>
+          </a:p>
+        </p:txBody>
+      </p:sp>
+    </p:spTree>
+    <p:extLst>
+      <p:ext uri="{BB962C8B-B14F-4D97-AF65-F5344CB8AC3E}">
+        <p14:creationId xmlns:p14="http://schemas.microsoft.com/office/powerpoint/2010/main" val="2924178161"/>
+      </p:ext>
+    </p:extLst>
+  </p:cSld>
+  <p:clrMapOvr>
+    <a:masterClrMapping/>
+  </p:clrMapOvr>
+</p:notes>
+</file>
+
+<file path=ppt/notesSlides/notesSlide13.xml><?xml version="1.0" encoding="utf-8"?>
+<p:notes xmlns:a="http://schemas.openxmlformats.org/drawingml/2006/main" xmlns:r="http://schemas.openxmlformats.org/officeDocument/2006/relationships" xmlns:p="http://schemas.openxmlformats.org/presentationml/2006/main">
+  <p:cSld>
+    <p:spTree>
+      <p:nvGrpSpPr>
+        <p:cNvPr id="1" name=""/>
+        <p:cNvGrpSpPr/>
+        <p:nvPr/>
+      </p:nvGrpSpPr>
+      <p:grpSpPr>
+        <a:xfrm>
+          <a:off x="0" y="0"/>
+          <a:ext cx="0" cy="0"/>
+          <a:chOff x="0" y="0"/>
+          <a:chExt cx="0" cy="0"/>
+        </a:xfrm>
+      </p:grpSpPr>
+      <p:sp>
+        <p:nvSpPr>
+          <p:cNvPr id="2" name="Slide Image Placeholder 1"/>
+          <p:cNvSpPr>
+            <a:spLocks noGrp="1" noRot="1" noChangeAspect="1"/>
+          </p:cNvSpPr>
+          <p:nvPr>
+            <p:ph type="sldImg"/>
+          </p:nvPr>
+        </p:nvSpPr>
+        <p:spPr/>
+      </p:sp>
+      <p:sp>
+        <p:nvSpPr>
+          <p:cNvPr id="3" name="Notes Placeholder 2"/>
+          <p:cNvSpPr>
+            <a:spLocks noGrp="1"/>
+          </p:cNvSpPr>
+          <p:nvPr>
+            <p:ph type="body" idx="1"/>
+          </p:nvPr>
+        </p:nvSpPr>
+        <p:spPr/>
+        <p:txBody>
+          <a:bodyPr/>
+          <a:lstStyle/>
+          <a:p>
+            <a:endParaRPr lang="en-US" dirty="0"/>
+          </a:p>
+        </p:txBody>
+      </p:sp>
+      <p:sp>
+        <p:nvSpPr>
+          <p:cNvPr id="4" name="Header Placeholder 3"/>
+          <p:cNvSpPr>
+            <a:spLocks noGrp="1"/>
+          </p:cNvSpPr>
+          <p:nvPr>
+            <p:ph type="hdr" sz="quarter" idx="10"/>
+          </p:nvPr>
+        </p:nvSpPr>
+        <p:spPr/>
+        <p:txBody>
+          <a:bodyPr/>
+          <a:lstStyle/>
+          <a:p>
+            <a:endParaRPr lang="en-US" dirty="0"/>
+          </a:p>
+        </p:txBody>
+      </p:sp>
+      <p:sp>
+        <p:nvSpPr>
+          <p:cNvPr id="5" name="Footer Placeholder 4"/>
+          <p:cNvSpPr>
+            <a:spLocks noGrp="1"/>
+          </p:cNvSpPr>
+          <p:nvPr>
+            <p:ph type="ftr" sz="quarter" idx="11"/>
+          </p:nvPr>
+        </p:nvSpPr>
+        <p:spPr/>
+        <p:txBody>
+          <a:bodyPr/>
+          <a:lstStyle/>
+          <a:p>
+            <a:pPr defTabSz="914099" eaLnBrk="0" hangingPunct="0"/>
+            <a:r>
+              <a:rPr lang="en-US" sz="400" dirty="0">
+                <a:gradFill>
+                  <a:gsLst>
+                    <a:gs pos="0">
+                      <a:prstClr val="black"/>
+                    </a:gs>
+                    <a:gs pos="100000">
+                      <a:prstClr val="black"/>
+                    </a:gs>
+                  </a:gsLst>
+                  <a:lin ang="5400000" scaled="0"/>
+                </a:gradFill>
+                <a:latin typeface="Segoe UI" pitchFamily="34" charset="0"/>
+                <a:ea typeface="Segoe UI" pitchFamily="34" charset="0"/>
+                <a:cs typeface="Segoe UI" pitchFamily="34" charset="0"/>
+              </a:rPr>
+              <a:t>© Microsoft Corporation. All rights reserved. MICROSOFT MAKES NO WARRANTIES, EXPRESS, IMPLIED OR STATUTORY, AS TO THE INFORMATION IN THIS PRESENTATION.</a:t>
+            </a:r>
+          </a:p>
+        </p:txBody>
+      </p:sp>
+      <p:sp>
+        <p:nvSpPr>
+          <p:cNvPr id="6" name="Date Placeholder 5"/>
+          <p:cNvSpPr>
+            <a:spLocks noGrp="1"/>
+          </p:cNvSpPr>
+          <p:nvPr>
+            <p:ph type="dt" idx="12"/>
+          </p:nvPr>
+        </p:nvSpPr>
+        <p:spPr/>
+        <p:txBody>
+          <a:bodyPr/>
+          <a:lstStyle/>
+          <a:p>
+            <a:fld id="{62072DC8-D49D-432C-9D46-A7718B5F5490}" type="datetime8">
+              <a:rPr lang="en-US" smtClean="0"/>
+              <a:t>5/29/2022 4:53 PM</a:t>
+            </a:fld>
+            <a:endParaRPr lang="en-US" dirty="0"/>
+          </a:p>
+        </p:txBody>
+      </p:sp>
+      <p:sp>
+        <p:nvSpPr>
+          <p:cNvPr id="7" name="Slide Number Placeholder 6"/>
+          <p:cNvSpPr>
+            <a:spLocks noGrp="1"/>
+          </p:cNvSpPr>
+          <p:nvPr>
+            <p:ph type="sldNum" sz="quarter" idx="13"/>
+          </p:nvPr>
+        </p:nvSpPr>
+        <p:spPr/>
+        <p:txBody>
+          <a:bodyPr/>
+          <a:lstStyle/>
+          <a:p>
+            <a:fld id="{B4008EB6-D09E-4580-8CD6-DDB14511944F}" type="slidenum">
+              <a:rPr lang="en-US" smtClean="0"/>
+              <a:pPr/>
+              <a:t>14</a:t>
             </a:fld>
             <a:endParaRPr lang="en-US" dirty="0"/>
           </a:p>
@@ -1578,7 +1745,7 @@
           <a:p>
             <a:fld id="{62072DC8-D49D-432C-9D46-A7718B5F5490}" type="datetime8">
               <a:rPr lang="en-US" smtClean="0"/>
-              <a:t>5/28/2022 10:37 PM</a:t>
+              <a:t>5/29/2022 4:53 PM</a:t>
             </a:fld>
             <a:endParaRPr lang="en-US" dirty="0"/>
           </a:p>
@@ -1743,7 +1910,7 @@
           <a:p>
             <a:fld id="{62072DC8-D49D-432C-9D46-A7718B5F5490}" type="datetime8">
               <a:rPr lang="en-US" smtClean="0"/>
-              <a:t>5/28/2022 10:39 PM</a:t>
+              <a:t>5/29/2022 4:53 PM</a:t>
             </a:fld>
             <a:endParaRPr lang="en-US" dirty="0"/>
           </a:p>
@@ -1908,7 +2075,7 @@
           <a:p>
             <a:fld id="{72E0C910-0166-48E0-B8EF-5071277A02A8}" type="datetime8">
               <a:rPr lang="en-US" smtClean="0"/>
-              <a:t>5/28/2022 10:37 PM</a:t>
+              <a:t>5/29/2022 4:53 PM</a:t>
             </a:fld>
             <a:endParaRPr lang="en-US" dirty="0"/>
           </a:p>
@@ -2073,7 +2240,7 @@
           <a:p>
             <a:fld id="{72E0C910-0166-48E0-B8EF-5071277A02A8}" type="datetime8">
               <a:rPr lang="en-US" smtClean="0"/>
-              <a:t>5/28/2022 11:06 PM</a:t>
+              <a:t>5/29/2022 4:53 PM</a:t>
             </a:fld>
             <a:endParaRPr lang="en-US" dirty="0"/>
           </a:p>
@@ -2238,7 +2405,7 @@
           <a:p>
             <a:fld id="{72E0C910-0166-48E0-B8EF-5071277A02A8}" type="datetime8">
               <a:rPr lang="en-US" smtClean="0"/>
-              <a:t>5/28/2022 11:13 PM</a:t>
+              <a:t>5/29/2022 4:53 PM</a:t>
             </a:fld>
             <a:endParaRPr lang="en-US" dirty="0"/>
           </a:p>
@@ -2403,7 +2570,7 @@
           <a:p>
             <a:fld id="{72E0C910-0166-48E0-B8EF-5071277A02A8}" type="datetime8">
               <a:rPr lang="en-US" smtClean="0"/>
-              <a:t>5/28/2022 11:34 PM</a:t>
+              <a:t>5/29/2022 4:53 PM</a:t>
             </a:fld>
             <a:endParaRPr lang="en-US" dirty="0"/>
           </a:p>
@@ -2568,7 +2735,7 @@
           <a:p>
             <a:fld id="{72E0C910-0166-48E0-B8EF-5071277A02A8}" type="datetime8">
               <a:rPr lang="en-US" smtClean="0"/>
-              <a:t>5/28/2022 11:53 PM</a:t>
+              <a:t>5/29/2022 4:53 PM</a:t>
             </a:fld>
             <a:endParaRPr lang="en-US" dirty="0"/>
           </a:p>
@@ -2733,7 +2900,7 @@
           <a:p>
             <a:fld id="{B16574EE-8191-4BCC-ABE6-D00A4F4D7690}" type="datetime8">
               <a:rPr lang="en-US" smtClean="0"/>
-              <a:t>5/29/2022 12:03 AM</a:t>
+              <a:t>5/29/2022 4:53 PM</a:t>
             </a:fld>
             <a:endParaRPr lang="en-US" dirty="0"/>
           </a:p>
@@ -19864,6 +20031,243 @@
           <a:chExt cx="0" cy="0"/>
         </a:xfrm>
       </p:grpSpPr>
+      <p:pic>
+        <p:nvPicPr>
+          <p:cNvPr id="1026" name="Picture 2" descr="Image result for github">
+            <a:hlinkClick r:id="rId3"/>
+            <a:extLst>
+              <a:ext uri="{FF2B5EF4-FFF2-40B4-BE49-F238E27FC236}">
+                <a16:creationId xmlns:a16="http://schemas.microsoft.com/office/drawing/2014/main" id="{AFD7E6E0-BE68-E572-FF35-A3219ED1640E}"/>
+              </a:ext>
+            </a:extLst>
+          </p:cNvPr>
+          <p:cNvPicPr>
+            <a:picLocks noChangeAspect="1" noChangeArrowheads="1"/>
+          </p:cNvPicPr>
+          <p:nvPr/>
+        </p:nvPicPr>
+        <p:blipFill>
+          <a:blip r:embed="rId4">
+            <a:extLst>
+              <a:ext uri="{28A0092B-C50C-407E-A947-70E740481C1C}">
+                <a14:useLocalDpi xmlns:a14="http://schemas.microsoft.com/office/drawing/2010/main" val="0"/>
+              </a:ext>
+            </a:extLst>
+          </a:blip>
+          <a:srcRect/>
+          <a:stretch>
+            <a:fillRect/>
+          </a:stretch>
+        </p:blipFill>
+        <p:spPr bwMode="auto">
+          <a:xfrm>
+            <a:off x="743918" y="482788"/>
+            <a:ext cx="3147465" cy="1762883"/>
+          </a:xfrm>
+          <a:prstGeom prst="rect">
+            <a:avLst/>
+          </a:prstGeom>
+          <a:noFill/>
+          <a:extLst>
+            <a:ext uri="{909E8E84-426E-40DD-AFC4-6F175D3DCCD1}">
+              <a14:hiddenFill xmlns:a14="http://schemas.microsoft.com/office/drawing/2010/main">
+                <a:solidFill>
+                  <a:srgbClr val="FFFFFF"/>
+                </a:solidFill>
+              </a14:hiddenFill>
+            </a:ext>
+          </a:extLst>
+        </p:spPr>
+      </p:pic>
+      <p:sp>
+        <p:nvSpPr>
+          <p:cNvPr id="10" name="Title 16">
+            <a:extLst>
+              <a:ext uri="{FF2B5EF4-FFF2-40B4-BE49-F238E27FC236}">
+                <a16:creationId xmlns:a16="http://schemas.microsoft.com/office/drawing/2014/main" id="{F8553C96-E1E5-9766-779F-A42F42BEE779}"/>
+              </a:ext>
+            </a:extLst>
+          </p:cNvPr>
+          <p:cNvSpPr>
+            <a:spLocks noGrp="1"/>
+          </p:cNvSpPr>
+          <p:nvPr>
+            <p:ph type="title"/>
+          </p:nvPr>
+        </p:nvSpPr>
+        <p:spPr>
+          <a:xfrm>
+            <a:off x="4325964" y="1127417"/>
+            <a:ext cx="11018520" cy="553998"/>
+          </a:xfrm>
+        </p:spPr>
+        <p:txBody>
+          <a:bodyPr/>
+          <a:lstStyle/>
+          <a:p>
+            <a:pPr algn="l"/>
+            <a:r>
+              <a:rPr lang="en-US" b="1" dirty="0">
+                <a:solidFill>
+                  <a:schemeClr val="tx1"/>
+                </a:solidFill>
+                <a:latin typeface="Segoe UI" panose="020B0502040204020203" pitchFamily="34" charset="0"/>
+              </a:rPr>
+              <a:t>https://github.com/Ajinkj/</a:t>
+            </a:r>
+            <a:endParaRPr lang="en-US" b="1" i="0" dirty="0">
+              <a:solidFill>
+                <a:schemeClr val="tx1"/>
+              </a:solidFill>
+              <a:effectLst/>
+              <a:latin typeface="Segoe UI" panose="020B0502040204020203" pitchFamily="34" charset="0"/>
+            </a:endParaRPr>
+          </a:p>
+        </p:txBody>
+      </p:sp>
+      <p:pic>
+        <p:nvPicPr>
+          <p:cNvPr id="3" name="Picture 2" descr="Graphical user interface, text, application, chat or text message&#10;&#10;Description automatically generated">
+            <a:hlinkClick r:id="rId5"/>
+            <a:extLst>
+              <a:ext uri="{FF2B5EF4-FFF2-40B4-BE49-F238E27FC236}">
+                <a16:creationId xmlns:a16="http://schemas.microsoft.com/office/drawing/2014/main" id="{BF44A474-6F16-877F-DF40-46971D7E8D2A}"/>
+              </a:ext>
+            </a:extLst>
+          </p:cNvPr>
+          <p:cNvPicPr>
+            <a:picLocks noChangeAspect="1"/>
+          </p:cNvPicPr>
+          <p:nvPr/>
+        </p:nvPicPr>
+        <p:blipFill rotWithShape="1">
+          <a:blip r:embed="rId6"/>
+          <a:srcRect b="18919"/>
+          <a:stretch/>
+        </p:blipFill>
+        <p:spPr>
+          <a:xfrm>
+            <a:off x="863787" y="2533991"/>
+            <a:ext cx="2907726" cy="4156678"/>
+          </a:xfrm>
+          <a:prstGeom prst="rect">
+            <a:avLst/>
+          </a:prstGeom>
+        </p:spPr>
+      </p:pic>
+      <p:sp>
+        <p:nvSpPr>
+          <p:cNvPr id="12" name="Title 16">
+            <a:extLst>
+              <a:ext uri="{FF2B5EF4-FFF2-40B4-BE49-F238E27FC236}">
+                <a16:creationId xmlns:a16="http://schemas.microsoft.com/office/drawing/2014/main" id="{A021BE77-EB41-660E-DEDC-4352AA2D9AC9}"/>
+              </a:ext>
+            </a:extLst>
+          </p:cNvPr>
+          <p:cNvSpPr txBox="1">
+            <a:spLocks/>
+          </p:cNvSpPr>
+          <p:nvPr/>
+        </p:nvSpPr>
+        <p:spPr>
+          <a:xfrm>
+            <a:off x="4325964" y="4684043"/>
+            <a:ext cx="11018520" cy="430887"/>
+          </a:xfrm>
+          <a:prstGeom prst="rect">
+            <a:avLst/>
+          </a:prstGeom>
+        </p:spPr>
+        <p:txBody>
+          <a:bodyPr vert="horz" wrap="square" lIns="0" tIns="0" rIns="0" bIns="0" rtlCol="0" anchor="t">
+            <a:spAutoFit/>
+          </a:bodyPr>
+          <a:lstStyle>
+            <a:lvl1pPr algn="l" defTabSz="932742" rtl="0" eaLnBrk="1" latinLnBrk="0" hangingPunct="1">
+              <a:lnSpc>
+                <a:spcPct val="100000"/>
+              </a:lnSpc>
+              <a:spcBef>
+                <a:spcPct val="0"/>
+              </a:spcBef>
+              <a:buNone/>
+              <a:defRPr lang="en-US" sz="3600" b="0" kern="1200" cap="none" spc="-50" baseline="0" dirty="0" smtClean="0">
+                <a:ln w="3175">
+                  <a:noFill/>
+                </a:ln>
+                <a:gradFill>
+                  <a:gsLst>
+                    <a:gs pos="1250">
+                      <a:schemeClr val="tx1"/>
+                    </a:gs>
+                    <a:gs pos="100000">
+                      <a:schemeClr val="tx1"/>
+                    </a:gs>
+                  </a:gsLst>
+                  <a:lin ang="5400000" scaled="0"/>
+                </a:gradFill>
+                <a:effectLst/>
+                <a:latin typeface="+mj-lt"/>
+                <a:ea typeface="+mn-ea"/>
+                <a:cs typeface="Segoe UI" pitchFamily="34" charset="0"/>
+              </a:defRPr>
+            </a:lvl1pPr>
+          </a:lstStyle>
+          <a:p>
+            <a:r>
+              <a:rPr lang="en-US" sz="2800" b="1" dirty="0">
+                <a:solidFill>
+                  <a:schemeClr val="tx1"/>
+                </a:solidFill>
+                <a:latin typeface="Segoe UI" panose="020B0502040204020203" pitchFamily="34" charset="0"/>
+              </a:rPr>
+              <a:t>https://www.linkedin.com/in/ajin-k-j/</a:t>
+            </a:r>
+          </a:p>
+        </p:txBody>
+      </p:sp>
+    </p:spTree>
+    <p:extLst>
+      <p:ext uri="{BB962C8B-B14F-4D97-AF65-F5344CB8AC3E}">
+        <p14:creationId xmlns:p14="http://schemas.microsoft.com/office/powerpoint/2010/main" val="1534496832"/>
+      </p:ext>
+    </p:extLst>
+  </p:cSld>
+  <p:clrMapOvr>
+    <a:masterClrMapping/>
+  </p:clrMapOvr>
+  <mc:AlternateContent xmlns:mc="http://schemas.openxmlformats.org/markup-compatibility/2006">
+    <mc:Choice xmlns:p14="http://schemas.microsoft.com/office/powerpoint/2010/main" Requires="p14">
+      <p:transition spd="med" p14:dur="700">
+        <p:fade/>
+      </p:transition>
+    </mc:Choice>
+    <mc:Fallback>
+      <p:transition spd="med">
+        <p:fade/>
+      </p:transition>
+    </mc:Fallback>
+  </mc:AlternateContent>
+</p:sld>
+</file>
+
+<file path=ppt/slides/slide13.xml><?xml version="1.0" encoding="utf-8"?>
+<p:sld xmlns:a="http://schemas.openxmlformats.org/drawingml/2006/main" xmlns:r="http://schemas.openxmlformats.org/officeDocument/2006/relationships" xmlns:p="http://schemas.openxmlformats.org/presentationml/2006/main">
+  <p:cSld>
+    <p:spTree>
+      <p:nvGrpSpPr>
+        <p:cNvPr id="1" name=""/>
+        <p:cNvGrpSpPr/>
+        <p:nvPr/>
+      </p:nvGrpSpPr>
+      <p:grpSpPr>
+        <a:xfrm>
+          <a:off x="0" y="0"/>
+          <a:ext cx="0" cy="0"/>
+          <a:chOff x="0" y="0"/>
+          <a:chExt cx="0" cy="0"/>
+        </a:xfrm>
+      </p:grpSpPr>
       <p:sp>
         <p:nvSpPr>
           <p:cNvPr id="5" name="Text Placeholder 4"/>
@@ -19935,13 +20339,13 @@
   <p:clrMapOvr>
     <a:masterClrMapping/>
   </p:clrMapOvr>
-  <mc:AlternateContent xmlns:mc="http://schemas.openxmlformats.org/markup-compatibility/2006">
-    <mc:Choice xmlns:p14="http://schemas.microsoft.com/office/powerpoint/2010/main" Requires="p14">
+  <mc:AlternateContent xmlns:mc="http://schemas.openxmlformats.org/markup-compatibility/2006" xmlns:p14="http://schemas.microsoft.com/office/powerpoint/2010/main">
+    <mc:Choice Requires="p14">
       <p:transition spd="med" p14:dur="700">
         <p:fade/>
       </p:transition>
     </mc:Choice>
-    <mc:Fallback>
+    <mc:Fallback xmlns="">
       <p:transition spd="med">
         <p:fade/>
       </p:transition>
@@ -19950,7 +20354,7 @@
 </p:sld>
 </file>
 
-<file path=ppt/slides/slide13.xml><?xml version="1.0" encoding="utf-8"?>
+<file path=ppt/slides/slide14.xml><?xml version="1.0" encoding="utf-8"?>
 <p:sld xmlns:a="http://schemas.openxmlformats.org/drawingml/2006/main" xmlns:r="http://schemas.openxmlformats.org/officeDocument/2006/relationships" xmlns:p="http://schemas.openxmlformats.org/presentationml/2006/main">
   <p:cSld>
     <p:spTree>
@@ -20690,13 +21094,13 @@
   <p:clrMapOvr>
     <a:masterClrMapping/>
   </p:clrMapOvr>
-  <mc:AlternateContent xmlns:mc="http://schemas.openxmlformats.org/markup-compatibility/2006">
-    <mc:Choice xmlns:p14="http://schemas.microsoft.com/office/powerpoint/2010/main" Requires="p14">
+  <mc:AlternateContent xmlns:mc="http://schemas.openxmlformats.org/markup-compatibility/2006" xmlns:p14="http://schemas.microsoft.com/office/powerpoint/2010/main">
+    <mc:Choice Requires="p14">
       <p:transition spd="med" p14:dur="700">
         <p:fade/>
       </p:transition>
     </mc:Choice>
-    <mc:Fallback>
+    <mc:Fallback xmlns="">
       <p:transition spd="med">
         <p:fade/>
       </p:transition>
@@ -20994,13 +21398,13 @@
   <p:clrMapOvr>
     <a:masterClrMapping/>
   </p:clrMapOvr>
-  <mc:AlternateContent xmlns:mc="http://schemas.openxmlformats.org/markup-compatibility/2006">
-    <mc:Choice xmlns:p14="http://schemas.microsoft.com/office/powerpoint/2010/main" Requires="p14">
+  <mc:AlternateContent xmlns:mc="http://schemas.openxmlformats.org/markup-compatibility/2006" xmlns:p14="http://schemas.microsoft.com/office/powerpoint/2010/main">
+    <mc:Choice Requires="p14">
       <p:transition spd="med" p14:dur="700">
         <p:fade/>
       </p:transition>
     </mc:Choice>
-    <mc:Fallback>
+    <mc:Fallback xmlns="">
       <p:transition spd="med">
         <p:fade/>
       </p:transition>
@@ -21198,13 +21602,13 @@
   <p:clrMapOvr>
     <a:masterClrMapping/>
   </p:clrMapOvr>
-  <mc:AlternateContent xmlns:mc="http://schemas.openxmlformats.org/markup-compatibility/2006">
-    <mc:Choice xmlns:p14="http://schemas.microsoft.com/office/powerpoint/2010/main" Requires="p14">
+  <mc:AlternateContent xmlns:mc="http://schemas.openxmlformats.org/markup-compatibility/2006" xmlns:p14="http://schemas.microsoft.com/office/powerpoint/2010/main">
+    <mc:Choice Requires="p14">
       <p:transition spd="med" p14:dur="700">
         <p:fade/>
       </p:transition>
     </mc:Choice>
-    <mc:Fallback>
+    <mc:Fallback xmlns="">
       <p:transition spd="med">
         <p:fade/>
       </p:transition>
@@ -22366,23 +22770,6 @@
 </file>
 
 <file path=customXml/item1.xml><?xml version="1.0" encoding="utf-8"?>
-<?mso-contentType ?>
-<FormTemplates xmlns="http://schemas.microsoft.com/sharepoint/v3/contenttype/forms">
-  <Display>DocumentLibraryForm</Display>
-  <Edit>DocumentLibraryForm</Edit>
-  <New>DocumentLibraryForm</New>
-</FormTemplates>
-</file>
-
-<file path=customXml/item2.xml><?xml version="1.0" encoding="utf-8"?>
-<p:properties xmlns:p="http://schemas.microsoft.com/office/2006/metadata/properties" xmlns:xsi="http://www.w3.org/2001/XMLSchema-instance" xmlns:pc="http://schemas.microsoft.com/office/infopath/2007/PartnerControls">
-  <documentManagement>
-    <MediaServiceKeyPoints xmlns="6d3b3f7c-4b71-40c9-8fff-4f7fb96ddea0" xsi:nil="true"/>
-  </documentManagement>
-</p:properties>
-</file>
-
-<file path=customXml/item3.xml><?xml version="1.0" encoding="utf-8"?>
 <ct:contentTypeSchema xmlns:ct="http://schemas.microsoft.com/office/2006/metadata/contentType" xmlns:ma="http://schemas.microsoft.com/office/2006/metadata/properties/metaAttributes" ct:_="" ma:_="" ma:contentTypeName="Document" ma:contentTypeID="0x010100F6B78FCE4F94D941B32D6B6061C29C09" ma:contentTypeVersion="12" ma:contentTypeDescription="Create a new document." ma:contentTypeScope="" ma:versionID="31624e6d8e043a6a1f4b09adabada31e">
   <xsd:schema xmlns:xsd="http://www.w3.org/2001/XMLSchema" xmlns:xs="http://www.w3.org/2001/XMLSchema" xmlns:p="http://schemas.microsoft.com/office/2006/metadata/properties" xmlns:ns2="976fdccd-ca8b-4477-a16f-3129ac8e5ee5" xmlns:ns3="6d3b3f7c-4b71-40c9-8fff-4f7fb96ddea0" targetNamespace="http://schemas.microsoft.com/office/2006/metadata/properties" ma:root="true" ma:fieldsID="66ee5bbb11c78621360800e3e78489b1" ns2:_="" ns3:_="">
     <xsd:import namespace="976fdccd-ca8b-4477-a16f-3129ac8e5ee5"/>
@@ -22599,10 +22986,38 @@
 </ct:contentTypeSchema>
 </file>
 
+<file path=customXml/item2.xml><?xml version="1.0" encoding="utf-8"?>
+<p:properties xmlns:p="http://schemas.microsoft.com/office/2006/metadata/properties" xmlns:xsi="http://www.w3.org/2001/XMLSchema-instance" xmlns:pc="http://schemas.microsoft.com/office/infopath/2007/PartnerControls">
+  <documentManagement>
+    <MediaServiceKeyPoints xmlns="6d3b3f7c-4b71-40c9-8fff-4f7fb96ddea0" xsi:nil="true"/>
+  </documentManagement>
+</p:properties>
+</file>
+
+<file path=customXml/item3.xml><?xml version="1.0" encoding="utf-8"?>
+<?mso-contentType ?>
+<FormTemplates xmlns="http://schemas.microsoft.com/sharepoint/v3/contenttype/forms">
+  <Display>DocumentLibraryForm</Display>
+  <Edit>DocumentLibraryForm</Edit>
+  <New>DocumentLibraryForm</New>
+</FormTemplates>
+</file>
+
 <file path=customXml/itemProps1.xml><?xml version="1.0" encoding="utf-8"?>
-<ds:datastoreItem xmlns:ds="http://schemas.openxmlformats.org/officeDocument/2006/customXml" ds:itemID="{758FDAC0-319D-4A54-8D8E-1D42CB1F8004}">
+<ds:datastoreItem xmlns:ds="http://schemas.openxmlformats.org/officeDocument/2006/customXml" ds:itemID="{CE5F0CDA-BD34-485A-92BD-16A779012AE3}">
   <ds:schemaRefs>
-    <ds:schemaRef ds:uri="http://schemas.microsoft.com/sharepoint/v3/contenttype/forms"/>
+    <ds:schemaRef ds:uri="http://schemas.microsoft.com/office/2006/metadata/contentType"/>
+    <ds:schemaRef ds:uri="http://schemas.microsoft.com/office/2006/metadata/properties/metaAttributes"/>
+    <ds:schemaRef ds:uri="http://www.w3.org/2001/XMLSchema"/>
+    <ds:schemaRef ds:uri="http://schemas.microsoft.com/office/2006/metadata/properties"/>
+    <ds:schemaRef ds:uri="976fdccd-ca8b-4477-a16f-3129ac8e5ee5"/>
+    <ds:schemaRef ds:uri="6d3b3f7c-4b71-40c9-8fff-4f7fb96ddea0"/>
+    <ds:schemaRef ds:uri="http://schemas.microsoft.com/office/2006/documentManagement/types"/>
+    <ds:schemaRef ds:uri="http://schemas.microsoft.com/office/infopath/2007/PartnerControls"/>
+    <ds:schemaRef ds:uri="http://schemas.openxmlformats.org/package/2006/metadata/core-properties"/>
+    <ds:schemaRef ds:uri="http://purl.org/dc/elements/1.1/"/>
+    <ds:schemaRef ds:uri="http://purl.org/dc/terms/"/>
+    <ds:schemaRef ds:uri="http://schemas.microsoft.com/internal/obd"/>
   </ds:schemaRefs>
 </ds:datastoreItem>
 </file>
@@ -22625,20 +23040,9 @@
 </file>
 
 <file path=customXml/itemProps3.xml><?xml version="1.0" encoding="utf-8"?>
-<ds:datastoreItem xmlns:ds="http://schemas.openxmlformats.org/officeDocument/2006/customXml" ds:itemID="{CE5F0CDA-BD34-485A-92BD-16A779012AE3}">
+<ds:datastoreItem xmlns:ds="http://schemas.openxmlformats.org/officeDocument/2006/customXml" ds:itemID="{758FDAC0-319D-4A54-8D8E-1D42CB1F8004}">
   <ds:schemaRefs>
-    <ds:schemaRef ds:uri="http://schemas.microsoft.com/office/2006/metadata/contentType"/>
-    <ds:schemaRef ds:uri="http://schemas.microsoft.com/office/2006/metadata/properties/metaAttributes"/>
-    <ds:schemaRef ds:uri="http://www.w3.org/2001/XMLSchema"/>
-    <ds:schemaRef ds:uri="http://schemas.microsoft.com/office/2006/metadata/properties"/>
-    <ds:schemaRef ds:uri="976fdccd-ca8b-4477-a16f-3129ac8e5ee5"/>
-    <ds:schemaRef ds:uri="6d3b3f7c-4b71-40c9-8fff-4f7fb96ddea0"/>
-    <ds:schemaRef ds:uri="http://schemas.microsoft.com/office/2006/documentManagement/types"/>
-    <ds:schemaRef ds:uri="http://schemas.microsoft.com/office/infopath/2007/PartnerControls"/>
-    <ds:schemaRef ds:uri="http://schemas.openxmlformats.org/package/2006/metadata/core-properties"/>
-    <ds:schemaRef ds:uri="http://purl.org/dc/elements/1.1/"/>
-    <ds:schemaRef ds:uri="http://purl.org/dc/terms/"/>
-    <ds:schemaRef ds:uri="http://schemas.microsoft.com/internal/obd"/>
+    <ds:schemaRef ds:uri="http://schemas.microsoft.com/sharepoint/v3/contenttype/forms"/>
   </ds:schemaRefs>
 </ds:datastoreItem>
 </file>
